--- a/USBank/USBank_Architecture_Android.pptx
+++ b/USBank/USBank_Architecture_Android.pptx
@@ -269,7 +269,7 @@
           <a:p>
             <a:fld id="{D5000D56-C2BE-4619-8340-079B9E8A251E}" type="datetimeFigureOut">
               <a:rPr lang="en-US" smtClean="0"/>
-              <a:t>1/14/2019</a:t>
+              <a:t>1/16/2019</a:t>
             </a:fld>
             <a:endParaRPr lang="en-US"/>
           </a:p>
@@ -467,7 +467,7 @@
           <a:p>
             <a:fld id="{D5000D56-C2BE-4619-8340-079B9E8A251E}" type="datetimeFigureOut">
               <a:rPr lang="en-US" smtClean="0"/>
-              <a:t>1/14/2019</a:t>
+              <a:t>1/16/2019</a:t>
             </a:fld>
             <a:endParaRPr lang="en-US"/>
           </a:p>
@@ -675,7 +675,7 @@
           <a:p>
             <a:fld id="{D5000D56-C2BE-4619-8340-079B9E8A251E}" type="datetimeFigureOut">
               <a:rPr lang="en-US" smtClean="0"/>
-              <a:t>1/14/2019</a:t>
+              <a:t>1/16/2019</a:t>
             </a:fld>
             <a:endParaRPr lang="en-US"/>
           </a:p>
@@ -873,7 +873,7 @@
           <a:p>
             <a:fld id="{D5000D56-C2BE-4619-8340-079B9E8A251E}" type="datetimeFigureOut">
               <a:rPr lang="en-US" smtClean="0"/>
-              <a:t>1/14/2019</a:t>
+              <a:t>1/16/2019</a:t>
             </a:fld>
             <a:endParaRPr lang="en-US"/>
           </a:p>
@@ -1148,7 +1148,7 @@
           <a:p>
             <a:fld id="{D5000D56-C2BE-4619-8340-079B9E8A251E}" type="datetimeFigureOut">
               <a:rPr lang="en-US" smtClean="0"/>
-              <a:t>1/14/2019</a:t>
+              <a:t>1/16/2019</a:t>
             </a:fld>
             <a:endParaRPr lang="en-US"/>
           </a:p>
@@ -1413,7 +1413,7 @@
           <a:p>
             <a:fld id="{D5000D56-C2BE-4619-8340-079B9E8A251E}" type="datetimeFigureOut">
               <a:rPr lang="en-US" smtClean="0"/>
-              <a:t>1/14/2019</a:t>
+              <a:t>1/16/2019</a:t>
             </a:fld>
             <a:endParaRPr lang="en-US"/>
           </a:p>
@@ -1825,7 +1825,7 @@
           <a:p>
             <a:fld id="{D5000D56-C2BE-4619-8340-079B9E8A251E}" type="datetimeFigureOut">
               <a:rPr lang="en-US" smtClean="0"/>
-              <a:t>1/14/2019</a:t>
+              <a:t>1/16/2019</a:t>
             </a:fld>
             <a:endParaRPr lang="en-US"/>
           </a:p>
@@ -1966,7 +1966,7 @@
           <a:p>
             <a:fld id="{D5000D56-C2BE-4619-8340-079B9E8A251E}" type="datetimeFigureOut">
               <a:rPr lang="en-US" smtClean="0"/>
-              <a:t>1/14/2019</a:t>
+              <a:t>1/16/2019</a:t>
             </a:fld>
             <a:endParaRPr lang="en-US"/>
           </a:p>
@@ -2079,7 +2079,7 @@
           <a:p>
             <a:fld id="{D5000D56-C2BE-4619-8340-079B9E8A251E}" type="datetimeFigureOut">
               <a:rPr lang="en-US" smtClean="0"/>
-              <a:t>1/14/2019</a:t>
+              <a:t>1/16/2019</a:t>
             </a:fld>
             <a:endParaRPr lang="en-US"/>
           </a:p>
@@ -2390,7 +2390,7 @@
           <a:p>
             <a:fld id="{D5000D56-C2BE-4619-8340-079B9E8A251E}" type="datetimeFigureOut">
               <a:rPr lang="en-US" smtClean="0"/>
-              <a:t>1/14/2019</a:t>
+              <a:t>1/16/2019</a:t>
             </a:fld>
             <a:endParaRPr lang="en-US"/>
           </a:p>
@@ -2678,7 +2678,7 @@
           <a:p>
             <a:fld id="{D5000D56-C2BE-4619-8340-079B9E8A251E}" type="datetimeFigureOut">
               <a:rPr lang="en-US" smtClean="0"/>
-              <a:t>1/14/2019</a:t>
+              <a:t>1/16/2019</a:t>
             </a:fld>
             <a:endParaRPr lang="en-US"/>
           </a:p>
@@ -2919,7 +2919,7 @@
           <a:p>
             <a:fld id="{D5000D56-C2BE-4619-8340-079B9E8A251E}" type="datetimeFigureOut">
               <a:rPr lang="en-US" smtClean="0"/>
-              <a:t>1/14/2019</a:t>
+              <a:t>1/16/2019</a:t>
             </a:fld>
             <a:endParaRPr lang="en-US"/>
           </a:p>
@@ -3645,8 +3645,16 @@
               <a:buNone/>
             </a:pPr>
             <a:r>
-              <a:rPr lang="en-US" dirty="0"/>
-              <a:t>                                          </a:t>
+              <a:rPr lang="en-US"/>
+              <a:t>                                               </a:t>
+            </a:r>
+            <a:r>
+              <a:rPr lang="en-US">
+                <a:solidFill>
+                  <a:schemeClr val="accent1"/>
+                </a:solidFill>
+              </a:rPr>
+              <a:t>Thank </a:t>
             </a:r>
             <a:r>
               <a:rPr lang="en-US" dirty="0">
@@ -3654,7 +3662,7 @@
                   <a:schemeClr val="accent1"/>
                 </a:solidFill>
               </a:rPr>
-              <a:t>Thank You</a:t>
+              <a:t>You</a:t>
             </a:r>
           </a:p>
         </p:txBody>
